--- a/설계도.pptx
+++ b/설계도.pptx
@@ -104,6 +104,11 @@
       </a:defRPr>
     </a:lvl9pPr>
   </p:defaultTextStyle>
+  <p:extLst>
+    <p:ext uri="{EFAFB233-063F-42B5-8137-9DF3F51BA10A}">
+      <p15:sldGuideLst xmlns:p15="http://schemas.microsoft.com/office/powerpoint/2012/main"/>
+    </p:ext>
+  </p:extLst>
 </p:presentation>
 </file>
 
@@ -254,7 +259,7 @@
           <a:p>
             <a:fld id="{6B354100-C4AE-425D-9D7C-5D444C50CA92}" type="datetimeFigureOut">
               <a:rPr lang="ko-KR" altLang="en-US" smtClean="0"/>
-              <a:t>2024-05-28</a:t>
+              <a:t>2024-06-17</a:t>
             </a:fld>
             <a:endParaRPr lang="ko-KR" altLang="en-US"/>
           </a:p>
@@ -452,7 +457,7 @@
           <a:p>
             <a:fld id="{6B354100-C4AE-425D-9D7C-5D444C50CA92}" type="datetimeFigureOut">
               <a:rPr lang="ko-KR" altLang="en-US" smtClean="0"/>
-              <a:t>2024-05-28</a:t>
+              <a:t>2024-06-17</a:t>
             </a:fld>
             <a:endParaRPr lang="ko-KR" altLang="en-US"/>
           </a:p>
@@ -660,7 +665,7 @@
           <a:p>
             <a:fld id="{6B354100-C4AE-425D-9D7C-5D444C50CA92}" type="datetimeFigureOut">
               <a:rPr lang="ko-KR" altLang="en-US" smtClean="0"/>
-              <a:t>2024-05-28</a:t>
+              <a:t>2024-06-17</a:t>
             </a:fld>
             <a:endParaRPr lang="ko-KR" altLang="en-US"/>
           </a:p>
@@ -858,7 +863,7 @@
           <a:p>
             <a:fld id="{6B354100-C4AE-425D-9D7C-5D444C50CA92}" type="datetimeFigureOut">
               <a:rPr lang="ko-KR" altLang="en-US" smtClean="0"/>
-              <a:t>2024-05-28</a:t>
+              <a:t>2024-06-17</a:t>
             </a:fld>
             <a:endParaRPr lang="ko-KR" altLang="en-US"/>
           </a:p>
@@ -1133,7 +1138,7 @@
           <a:p>
             <a:fld id="{6B354100-C4AE-425D-9D7C-5D444C50CA92}" type="datetimeFigureOut">
               <a:rPr lang="ko-KR" altLang="en-US" smtClean="0"/>
-              <a:t>2024-05-28</a:t>
+              <a:t>2024-06-17</a:t>
             </a:fld>
             <a:endParaRPr lang="ko-KR" altLang="en-US"/>
           </a:p>
@@ -1398,7 +1403,7 @@
           <a:p>
             <a:fld id="{6B354100-C4AE-425D-9D7C-5D444C50CA92}" type="datetimeFigureOut">
               <a:rPr lang="ko-KR" altLang="en-US" smtClean="0"/>
-              <a:t>2024-05-28</a:t>
+              <a:t>2024-06-17</a:t>
             </a:fld>
             <a:endParaRPr lang="ko-KR" altLang="en-US"/>
           </a:p>
@@ -1810,7 +1815,7 @@
           <a:p>
             <a:fld id="{6B354100-C4AE-425D-9D7C-5D444C50CA92}" type="datetimeFigureOut">
               <a:rPr lang="ko-KR" altLang="en-US" smtClean="0"/>
-              <a:t>2024-05-28</a:t>
+              <a:t>2024-06-17</a:t>
             </a:fld>
             <a:endParaRPr lang="ko-KR" altLang="en-US"/>
           </a:p>
@@ -1951,7 +1956,7 @@
           <a:p>
             <a:fld id="{6B354100-C4AE-425D-9D7C-5D444C50CA92}" type="datetimeFigureOut">
               <a:rPr lang="ko-KR" altLang="en-US" smtClean="0"/>
-              <a:t>2024-05-28</a:t>
+              <a:t>2024-06-17</a:t>
             </a:fld>
             <a:endParaRPr lang="ko-KR" altLang="en-US"/>
           </a:p>
@@ -2064,7 +2069,7 @@
           <a:p>
             <a:fld id="{6B354100-C4AE-425D-9D7C-5D444C50CA92}" type="datetimeFigureOut">
               <a:rPr lang="ko-KR" altLang="en-US" smtClean="0"/>
-              <a:t>2024-05-28</a:t>
+              <a:t>2024-06-17</a:t>
             </a:fld>
             <a:endParaRPr lang="ko-KR" altLang="en-US"/>
           </a:p>
@@ -2375,7 +2380,7 @@
           <a:p>
             <a:fld id="{6B354100-C4AE-425D-9D7C-5D444C50CA92}" type="datetimeFigureOut">
               <a:rPr lang="ko-KR" altLang="en-US" smtClean="0"/>
-              <a:t>2024-05-28</a:t>
+              <a:t>2024-06-17</a:t>
             </a:fld>
             <a:endParaRPr lang="ko-KR" altLang="en-US"/>
           </a:p>
@@ -2663,7 +2668,7 @@
           <a:p>
             <a:fld id="{6B354100-C4AE-425D-9D7C-5D444C50CA92}" type="datetimeFigureOut">
               <a:rPr lang="ko-KR" altLang="en-US" smtClean="0"/>
-              <a:t>2024-05-28</a:t>
+              <a:t>2024-06-17</a:t>
             </a:fld>
             <a:endParaRPr lang="ko-KR" altLang="en-US"/>
           </a:p>
@@ -2904,7 +2909,7 @@
           <a:p>
             <a:fld id="{6B354100-C4AE-425D-9D7C-5D444C50CA92}" type="datetimeFigureOut">
               <a:rPr lang="ko-KR" altLang="en-US" smtClean="0"/>
-              <a:t>2024-05-28</a:t>
+              <a:t>2024-06-17</a:t>
             </a:fld>
             <a:endParaRPr lang="ko-KR" altLang="en-US"/>
           </a:p>
@@ -3335,8 +3340,8 @@
         </p:nvSpPr>
         <p:spPr>
           <a:xfrm>
-            <a:off x="2382592" y="875763"/>
-            <a:ext cx="7405352" cy="4958367"/>
+            <a:off x="4241442" y="875764"/>
+            <a:ext cx="5546502" cy="4600977"/>
           </a:xfrm>
           <a:prstGeom prst="rect">
             <a:avLst/>
@@ -3389,8 +3394,8 @@
         </p:nvSpPr>
         <p:spPr>
           <a:xfrm>
-            <a:off x="6096000" y="875763"/>
-            <a:ext cx="3691944" cy="2553237"/>
+            <a:off x="7920506" y="875764"/>
+            <a:ext cx="1867438" cy="3078050"/>
           </a:xfrm>
           <a:prstGeom prst="rect">
             <a:avLst/>
@@ -3455,7 +3460,7 @@
                   <a:schemeClr val="tx1"/>
                 </a:solidFill>
               </a:rPr>
-              <a:t>250X250</a:t>
+              <a:t>100X200</a:t>
             </a:r>
             <a:endParaRPr lang="ko-KR" altLang="en-US" dirty="0">
               <a:solidFill>
@@ -3478,9 +3483,9 @@
           <p:nvPr/>
         </p:nvSpPr>
         <p:spPr>
-          <a:xfrm>
-            <a:off x="2382592" y="1464971"/>
-            <a:ext cx="2112135" cy="785612"/>
+          <a:xfrm rot="5400000">
+            <a:off x="4510824" y="2617630"/>
+            <a:ext cx="1848118" cy="785612"/>
           </a:xfrm>
           <a:prstGeom prst="rect">
             <a:avLst/>
@@ -3540,7 +3545,7 @@
         </p:nvSpPr>
         <p:spPr>
           <a:xfrm>
-            <a:off x="2545724" y="875763"/>
+            <a:off x="4330520" y="3348320"/>
             <a:ext cx="622479" cy="540914"/>
           </a:xfrm>
           <a:prstGeom prst="smileyFace">
@@ -3594,7 +3599,7 @@
         </p:nvSpPr>
         <p:spPr>
           <a:xfrm>
-            <a:off x="3616817" y="875763"/>
+            <a:off x="4310128" y="2144332"/>
             <a:ext cx="622479" cy="540914"/>
           </a:xfrm>
           <a:prstGeom prst="smileyFace">
@@ -3648,8 +3653,8 @@
         </p:nvSpPr>
         <p:spPr>
           <a:xfrm>
-            <a:off x="2382592" y="3786389"/>
-            <a:ext cx="1970467" cy="2047741"/>
+            <a:off x="4232856" y="3953814"/>
+            <a:ext cx="1848118" cy="1522927"/>
           </a:xfrm>
           <a:prstGeom prst="rect">
             <a:avLst/>
@@ -3819,8 +3824,8 @@
         </p:nvSpPr>
         <p:spPr>
           <a:xfrm>
-            <a:off x="4353059" y="3786389"/>
-            <a:ext cx="1742941" cy="2047741"/>
+            <a:off x="6194738" y="875763"/>
+            <a:ext cx="1691425" cy="1165353"/>
           </a:xfrm>
           <a:prstGeom prst="rect">
             <a:avLst/>
@@ -3856,7 +3861,7 @@
           <a:p>
             <a:pPr algn="ctr"/>
             <a:r>
-              <a:rPr lang="en-US" altLang="ko-KR" dirty="0">
+              <a:rPr lang="en-US" altLang="ko-KR" sz="1600" dirty="0">
                 <a:solidFill>
                   <a:schemeClr val="tx1"/>
                 </a:solidFill>
@@ -3864,14 +3869,14 @@
               <a:t>VR</a:t>
             </a:r>
             <a:r>
-              <a:rPr lang="ko-KR" altLang="en-US" dirty="0">
+              <a:rPr lang="ko-KR" altLang="en-US" sz="1600" dirty="0">
                 <a:solidFill>
                   <a:schemeClr val="tx1"/>
                 </a:solidFill>
               </a:rPr>
               <a:t>게임 </a:t>
             </a:r>
-            <a:endParaRPr lang="en-US" altLang="ko-KR" dirty="0">
+            <a:endParaRPr lang="en-US" altLang="ko-KR" sz="1600" dirty="0">
               <a:solidFill>
                 <a:schemeClr val="tx1"/>
               </a:solidFill>
@@ -3880,14 +3885,14 @@
           <a:p>
             <a:pPr algn="ctr"/>
             <a:r>
-              <a:rPr lang="ko-KR" altLang="en-US" dirty="0" err="1">
+              <a:rPr lang="ko-KR" altLang="en-US" sz="1600" dirty="0" err="1">
                 <a:solidFill>
                   <a:schemeClr val="tx1"/>
                 </a:solidFill>
               </a:rPr>
               <a:t>미러링용</a:t>
             </a:r>
-            <a:endParaRPr lang="en-US" altLang="ko-KR" dirty="0">
+            <a:endParaRPr lang="en-US" altLang="ko-KR" sz="1600" dirty="0">
               <a:solidFill>
                 <a:schemeClr val="tx1"/>
               </a:solidFill>
@@ -3896,7 +3901,7 @@
           <a:p>
             <a:pPr algn="ctr"/>
             <a:r>
-              <a:rPr lang="en-US" altLang="ko-KR" dirty="0">
+              <a:rPr lang="en-US" altLang="ko-KR" sz="1600" dirty="0">
                 <a:solidFill>
                   <a:schemeClr val="tx1"/>
                 </a:solidFill>
@@ -3907,7 +3912,7 @@
           <a:p>
             <a:pPr algn="ctr"/>
             <a:r>
-              <a:rPr lang="ko-KR" altLang="en-US" sz="1000" dirty="0">
+              <a:rPr lang="ko-KR" altLang="en-US" sz="900" dirty="0">
                 <a:solidFill>
                   <a:schemeClr val="tx1"/>
                 </a:solidFill>
@@ -3915,7 +3920,7 @@
               <a:t>모니터</a:t>
             </a:r>
             <a:r>
-              <a:rPr lang="en-US" altLang="ko-KR" sz="1000" dirty="0">
+              <a:rPr lang="en-US" altLang="ko-KR" sz="900" dirty="0">
                 <a:solidFill>
                   <a:schemeClr val="tx1"/>
                 </a:solidFill>
@@ -3926,7 +3931,7 @@
           <a:p>
             <a:pPr algn="ctr"/>
             <a:r>
-              <a:rPr lang="ko-KR" altLang="en-US" sz="1000" dirty="0">
+              <a:rPr lang="ko-KR" altLang="en-US" sz="900" dirty="0">
                 <a:solidFill>
                   <a:schemeClr val="tx1"/>
                 </a:solidFill>
@@ -3934,7 +3939,7 @@
               <a:t>본체</a:t>
             </a:r>
             <a:r>
-              <a:rPr lang="en-US" altLang="ko-KR" sz="1000" dirty="0">
+              <a:rPr lang="en-US" altLang="ko-KR" sz="900" dirty="0">
                 <a:solidFill>
                   <a:schemeClr val="tx1"/>
                 </a:solidFill>
@@ -3942,7 +3947,7 @@
               <a:t>:</a:t>
             </a:r>
             <a:r>
-              <a:rPr lang="en-US" altLang="ko-KR" dirty="0">
+              <a:rPr lang="en-US" altLang="ko-KR" sz="1600" dirty="0">
                 <a:solidFill>
                   <a:schemeClr val="tx1"/>
                 </a:solidFill>
@@ -3966,8 +3971,8 @@
         </p:nvSpPr>
         <p:spPr>
           <a:xfrm>
-            <a:off x="7456868" y="4739425"/>
-            <a:ext cx="2331076" cy="1094705"/>
+            <a:off x="8834908" y="4678250"/>
+            <a:ext cx="953036" cy="798491"/>
           </a:xfrm>
           <a:prstGeom prst="rect">
             <a:avLst/>
@@ -4003,14 +4008,14 @@
           <a:p>
             <a:pPr algn="ctr"/>
             <a:r>
-              <a:rPr lang="ko-KR" altLang="en-US" dirty="0">
+              <a:rPr lang="ko-KR" altLang="en-US" sz="1100" dirty="0">
                 <a:solidFill>
                   <a:schemeClr val="tx1"/>
                 </a:solidFill>
               </a:rPr>
-              <a:t>게임 설명용 모니터</a:t>
-            </a:r>
-            <a:endParaRPr lang="en-US" altLang="ko-KR" dirty="0">
+              <a:t>게임 설명용 </a:t>
+            </a:r>
+            <a:endParaRPr lang="en-US" altLang="ko-KR" sz="1100" dirty="0">
               <a:solidFill>
                 <a:schemeClr val="tx1"/>
               </a:solidFill>
@@ -4019,14 +4024,30 @@
           <a:p>
             <a:pPr algn="ctr"/>
             <a:r>
-              <a:rPr lang="en-US" altLang="ko-KR" dirty="0">
+              <a:rPr lang="ko-KR" altLang="en-US" sz="1100" dirty="0">
+                <a:solidFill>
+                  <a:schemeClr val="tx1"/>
+                </a:solidFill>
+              </a:rPr>
+              <a:t>모니터</a:t>
+            </a:r>
+            <a:endParaRPr lang="en-US" altLang="ko-KR" sz="1100" dirty="0">
+              <a:solidFill>
+                <a:schemeClr val="tx1"/>
+              </a:solidFill>
+            </a:endParaRPr>
+          </a:p>
+          <a:p>
+            <a:pPr algn="ctr"/>
+            <a:r>
+              <a:rPr lang="en-US" altLang="ko-KR" sz="1100" dirty="0">
                 <a:solidFill>
                   <a:schemeClr val="tx1"/>
                 </a:solidFill>
               </a:rPr>
               <a:t>54X32X117</a:t>
             </a:r>
-            <a:endParaRPr lang="ko-KR" altLang="en-US" dirty="0">
+            <a:endParaRPr lang="ko-KR" altLang="en-US" sz="1100" dirty="0">
               <a:solidFill>
                 <a:schemeClr val="tx1"/>
               </a:solidFill>
@@ -4102,7 +4123,7 @@
             </a:r>
             <a:r>
               <a:rPr lang="en-US" altLang="ko-KR" sz="1600" dirty="0"/>
-              <a:t>: 500X400</a:t>
+              <a:t>: 300X300</a:t>
             </a:r>
             <a:endParaRPr lang="ko-KR" altLang="en-US" sz="1600" dirty="0"/>
           </a:p>
